--- a/Ray/Relationship between BMI and health indicators.pptx
+++ b/Ray/Relationship between BMI and health indicators.pptx
@@ -7,9 +7,13 @@
   <p:sldIdLst>
     <p:sldId id="256" r:id="rId2"/>
     <p:sldId id="257" r:id="rId3"/>
-    <p:sldId id="258" r:id="rId4"/>
-    <p:sldId id="259" r:id="rId5"/>
-    <p:sldId id="260" r:id="rId6"/>
+    <p:sldId id="261" r:id="rId4"/>
+    <p:sldId id="258" r:id="rId5"/>
+    <p:sldId id="262" r:id="rId6"/>
+    <p:sldId id="259" r:id="rId7"/>
+    <p:sldId id="263" r:id="rId8"/>
+    <p:sldId id="260" r:id="rId9"/>
+    <p:sldId id="264" r:id="rId10"/>
   </p:sldIdLst>
   <p:sldSz cx="12192000" cy="6858000"/>
   <p:notesSz cx="6858000" cy="9144000"/>
@@ -108,7 +112,24 @@
       </a:defRPr>
     </a:lvl9pPr>
   </p:defaultTextStyle>
+  <p:extLst>
+    <p:ext uri="{EFAFB233-063F-42B5-8137-9DF3F51BA10A}">
+      <p15:sldGuideLst xmlns:p15="http://schemas.microsoft.com/office/powerpoint/2012/main"/>
+    </p:ext>
+  </p:extLst>
 </p:presentation>
+</file>
+
+<file path=ppt/commentAuthors.xml><?xml version="1.0" encoding="utf-8"?>
+<p:cmAuthorLst xmlns:a="http://schemas.openxmlformats.org/drawingml/2006/main" xmlns:r="http://schemas.openxmlformats.org/officeDocument/2006/relationships" xmlns:p="http://schemas.openxmlformats.org/presentationml/2006/main">
+  <p:cmAuthor id="1" name="yu songan" initials="ys" lastIdx="2" clrIdx="0">
+    <p:extLst>
+      <p:ext uri="{19B8F6BF-5375-455C-9EA6-DF929625EA0E}">
+        <p15:presenceInfo xmlns:p15="http://schemas.microsoft.com/office/powerpoint/2012/main" userId="eea2df5a476a3a02" providerId="Windows Live"/>
+      </p:ext>
+    </p:extLst>
+  </p:cmAuthor>
+</p:cmAuthorLst>
 </file>
 
 <file path=ppt/slideLayouts/slideLayout1.xml><?xml version="1.0" encoding="utf-8"?>
@@ -258,7 +279,7 @@
           <a:p>
             <a:fld id="{DBDF3C52-A968-4248-9571-6A393979D73D}" type="datetimeFigureOut">
               <a:rPr lang="en-US" smtClean="0"/>
-              <a:t>4/21/2020</a:t>
+              <a:t>4/28/2020</a:t>
             </a:fld>
             <a:endParaRPr lang="en-US"/>
           </a:p>
@@ -456,7 +477,7 @@
           <a:p>
             <a:fld id="{DBDF3C52-A968-4248-9571-6A393979D73D}" type="datetimeFigureOut">
               <a:rPr lang="en-US" smtClean="0"/>
-              <a:t>4/21/2020</a:t>
+              <a:t>4/28/2020</a:t>
             </a:fld>
             <a:endParaRPr lang="en-US"/>
           </a:p>
@@ -664,7 +685,7 @@
           <a:p>
             <a:fld id="{DBDF3C52-A968-4248-9571-6A393979D73D}" type="datetimeFigureOut">
               <a:rPr lang="en-US" smtClean="0"/>
-              <a:t>4/21/2020</a:t>
+              <a:t>4/28/2020</a:t>
             </a:fld>
             <a:endParaRPr lang="en-US"/>
           </a:p>
@@ -862,7 +883,7 @@
           <a:p>
             <a:fld id="{DBDF3C52-A968-4248-9571-6A393979D73D}" type="datetimeFigureOut">
               <a:rPr lang="en-US" smtClean="0"/>
-              <a:t>4/21/2020</a:t>
+              <a:t>4/28/2020</a:t>
             </a:fld>
             <a:endParaRPr lang="en-US"/>
           </a:p>
@@ -1137,7 +1158,7 @@
           <a:p>
             <a:fld id="{DBDF3C52-A968-4248-9571-6A393979D73D}" type="datetimeFigureOut">
               <a:rPr lang="en-US" smtClean="0"/>
-              <a:t>4/21/2020</a:t>
+              <a:t>4/28/2020</a:t>
             </a:fld>
             <a:endParaRPr lang="en-US"/>
           </a:p>
@@ -1402,7 +1423,7 @@
           <a:p>
             <a:fld id="{DBDF3C52-A968-4248-9571-6A393979D73D}" type="datetimeFigureOut">
               <a:rPr lang="en-US" smtClean="0"/>
-              <a:t>4/21/2020</a:t>
+              <a:t>4/28/2020</a:t>
             </a:fld>
             <a:endParaRPr lang="en-US"/>
           </a:p>
@@ -1814,7 +1835,7 @@
           <a:p>
             <a:fld id="{DBDF3C52-A968-4248-9571-6A393979D73D}" type="datetimeFigureOut">
               <a:rPr lang="en-US" smtClean="0"/>
-              <a:t>4/21/2020</a:t>
+              <a:t>4/28/2020</a:t>
             </a:fld>
             <a:endParaRPr lang="en-US"/>
           </a:p>
@@ -1955,7 +1976,7 @@
           <a:p>
             <a:fld id="{DBDF3C52-A968-4248-9571-6A393979D73D}" type="datetimeFigureOut">
               <a:rPr lang="en-US" smtClean="0"/>
-              <a:t>4/21/2020</a:t>
+              <a:t>4/28/2020</a:t>
             </a:fld>
             <a:endParaRPr lang="en-US"/>
           </a:p>
@@ -2068,7 +2089,7 @@
           <a:p>
             <a:fld id="{DBDF3C52-A968-4248-9571-6A393979D73D}" type="datetimeFigureOut">
               <a:rPr lang="en-US" smtClean="0"/>
-              <a:t>4/21/2020</a:t>
+              <a:t>4/28/2020</a:t>
             </a:fld>
             <a:endParaRPr lang="en-US"/>
           </a:p>
@@ -2379,7 +2400,7 @@
           <a:p>
             <a:fld id="{DBDF3C52-A968-4248-9571-6A393979D73D}" type="datetimeFigureOut">
               <a:rPr lang="en-US" smtClean="0"/>
-              <a:t>4/21/2020</a:t>
+              <a:t>4/28/2020</a:t>
             </a:fld>
             <a:endParaRPr lang="en-US"/>
           </a:p>
@@ -2667,7 +2688,7 @@
           <a:p>
             <a:fld id="{DBDF3C52-A968-4248-9571-6A393979D73D}" type="datetimeFigureOut">
               <a:rPr lang="en-US" smtClean="0"/>
-              <a:t>4/21/2020</a:t>
+              <a:t>4/28/2020</a:t>
             </a:fld>
             <a:endParaRPr lang="en-US"/>
           </a:p>
@@ -2908,7 +2929,7 @@
           <a:p>
             <a:fld id="{DBDF3C52-A968-4248-9571-6A393979D73D}" type="datetimeFigureOut">
               <a:rPr lang="en-US" smtClean="0"/>
-              <a:t>4/21/2020</a:t>
+              <a:t>4/28/2020</a:t>
             </a:fld>
             <a:endParaRPr lang="en-US"/>
           </a:p>
@@ -3731,6 +3752,232 @@
           <a:chExt cx="0" cy="0"/>
         </a:xfrm>
       </p:grpSpPr>
+      <p:sp>
+        <p:nvSpPr>
+          <p:cNvPr id="4" name="TextBox 3">
+            <a:extLst>
+              <a:ext uri="{FF2B5EF4-FFF2-40B4-BE49-F238E27FC236}">
+                <a16:creationId xmlns:a16="http://schemas.microsoft.com/office/drawing/2014/main" id="{F7345174-6EF2-47E8-B432-BCC19869D548}"/>
+              </a:ext>
+            </a:extLst>
+          </p:cNvPr>
+          <p:cNvSpPr txBox="1"/>
+          <p:nvPr/>
+        </p:nvSpPr>
+        <p:spPr>
+          <a:xfrm>
+            <a:off x="2972499" y="553782"/>
+            <a:ext cx="7734650" cy="477054"/>
+          </a:xfrm>
+          <a:prstGeom prst="rect">
+            <a:avLst/>
+          </a:prstGeom>
+          <a:noFill/>
+        </p:spPr>
+        <p:txBody>
+          <a:bodyPr wrap="square" rtlCol="0">
+            <a:spAutoFit/>
+          </a:bodyPr>
+          <a:lstStyle/>
+          <a:p>
+            <a:r>
+              <a:rPr lang="en-US" sz="2500" dirty="0">
+                <a:latin typeface="Times New Roman" panose="02020603050405020304" pitchFamily="18" charset="0"/>
+                <a:cs typeface="Times New Roman" panose="02020603050405020304" pitchFamily="18" charset="0"/>
+              </a:rPr>
+              <a:t>Distribution of the original BMI data</a:t>
+            </a:r>
+          </a:p>
+        </p:txBody>
+      </p:sp>
+      <p:pic>
+        <p:nvPicPr>
+          <p:cNvPr id="8" name="Picture 7" descr="A screenshot of a cell phone&#10;&#10;Description automatically generated">
+            <a:extLst>
+              <a:ext uri="{FF2B5EF4-FFF2-40B4-BE49-F238E27FC236}">
+                <a16:creationId xmlns:a16="http://schemas.microsoft.com/office/drawing/2014/main" id="{5204F8E4-E1F4-4609-B664-93C1BFAC2F2C}"/>
+              </a:ext>
+            </a:extLst>
+          </p:cNvPr>
+          <p:cNvPicPr>
+            <a:picLocks noChangeAspect="1"/>
+          </p:cNvPicPr>
+          <p:nvPr/>
+        </p:nvPicPr>
+        <p:blipFill>
+          <a:blip r:embed="rId4">
+            <a:extLst>
+              <a:ext uri="{28A0092B-C50C-407E-A947-70E740481C1C}">
+                <a14:useLocalDpi xmlns:a14="http://schemas.microsoft.com/office/drawing/2010/main" val="0"/>
+              </a:ext>
+            </a:extLst>
+          </a:blip>
+          <a:stretch>
+            <a:fillRect/>
+          </a:stretch>
+        </p:blipFill>
+        <p:spPr>
+          <a:xfrm>
+            <a:off x="2761784" y="1371313"/>
+            <a:ext cx="6668431" cy="4115374"/>
+          </a:xfrm>
+          <a:prstGeom prst="rect">
+            <a:avLst/>
+          </a:prstGeom>
+        </p:spPr>
+      </p:pic>
+      <p:pic>
+        <p:nvPicPr>
+          <p:cNvPr id="9" name="Recorded Sound">
+            <a:hlinkClick r:id="" action="ppaction://media"/>
+            <a:extLst>
+              <a:ext uri="{FF2B5EF4-FFF2-40B4-BE49-F238E27FC236}">
+                <a16:creationId xmlns:a16="http://schemas.microsoft.com/office/drawing/2014/main" id="{17131D05-5759-410A-87E7-FBE88C47E540}"/>
+              </a:ext>
+            </a:extLst>
+          </p:cNvPr>
+          <p:cNvPicPr>
+            <a:picLocks noChangeAspect="1"/>
+          </p:cNvPicPr>
+          <p:nvPr>
+            <a:audioFile r:link="rId2"/>
+            <p:extLst>
+              <p:ext uri="{DAA4B4D4-6D71-4841-9C94-3DE7FCFB9230}">
+                <p14:media xmlns:p14="http://schemas.microsoft.com/office/powerpoint/2010/main" r:embed="rId1"/>
+              </p:ext>
+            </p:extLst>
+          </p:nvPr>
+        </p:nvPicPr>
+        <p:blipFill>
+          <a:blip r:embed="rId5"/>
+          <a:stretch>
+            <a:fillRect/>
+          </a:stretch>
+        </p:blipFill>
+        <p:spPr>
+          <a:xfrm>
+            <a:off x="11411824" y="182709"/>
+            <a:ext cx="609600" cy="609600"/>
+          </a:xfrm>
+          <a:prstGeom prst="rect">
+            <a:avLst/>
+          </a:prstGeom>
+        </p:spPr>
+      </p:pic>
+    </p:spTree>
+    <p:extLst>
+      <p:ext uri="{BB962C8B-B14F-4D97-AF65-F5344CB8AC3E}">
+        <p14:creationId xmlns:p14="http://schemas.microsoft.com/office/powerpoint/2010/main" val="1089176822"/>
+      </p:ext>
+    </p:extLst>
+  </p:cSld>
+  <p:clrMapOvr>
+    <a:masterClrMapping/>
+  </p:clrMapOvr>
+  <p:timing>
+    <p:tnLst>
+      <p:par>
+        <p:cTn id="1" dur="indefinite" restart="never" nodeType="tmRoot">
+          <p:childTnLst>
+            <p:seq concurrent="1" nextAc="seek">
+              <p:cTn id="2" dur="indefinite" nodeType="mainSeq">
+                <p:childTnLst>
+                  <p:par>
+                    <p:cTn id="3" fill="hold">
+                      <p:stCondLst>
+                        <p:cond delay="indefinite"/>
+                      </p:stCondLst>
+                      <p:childTnLst>
+                        <p:par>
+                          <p:cTn id="4" fill="hold">
+                            <p:stCondLst>
+                              <p:cond delay="0"/>
+                            </p:stCondLst>
+                            <p:childTnLst>
+                              <p:par>
+                                <p:cTn id="5" presetID="1" presetClass="mediacall" presetSubtype="0" fill="hold" nodeType="clickEffect">
+                                  <p:stCondLst>
+                                    <p:cond delay="0"/>
+                                  </p:stCondLst>
+                                  <p:childTnLst>
+                                    <p:cmd type="call" cmd="playFrom(0.0)">
+                                      <p:cBhvr>
+                                        <p:cTn id="6" dur="9390" fill="hold"/>
+                                        <p:tgtEl>
+                                          <p:spTgt spid="9"/>
+                                        </p:tgtEl>
+                                      </p:cBhvr>
+                                    </p:cmd>
+                                  </p:childTnLst>
+                                </p:cTn>
+                              </p:par>
+                            </p:childTnLst>
+                          </p:cTn>
+                        </p:par>
+                      </p:childTnLst>
+                    </p:cTn>
+                  </p:par>
+                </p:childTnLst>
+              </p:cTn>
+              <p:prevCondLst>
+                <p:cond evt="onPrev" delay="0">
+                  <p:tgtEl>
+                    <p:sldTgt/>
+                  </p:tgtEl>
+                </p:cond>
+              </p:prevCondLst>
+              <p:nextCondLst>
+                <p:cond evt="onNext" delay="0">
+                  <p:tgtEl>
+                    <p:sldTgt/>
+                  </p:tgtEl>
+                </p:cond>
+              </p:nextCondLst>
+            </p:seq>
+            <p:audio>
+              <p:cMediaNode vol="80000">
+                <p:cTn id="7" fill="hold" display="0">
+                  <p:stCondLst>
+                    <p:cond delay="indefinite"/>
+                  </p:stCondLst>
+                  <p:endCondLst>
+                    <p:cond evt="onStopAudio" delay="0">
+                      <p:tgtEl>
+                        <p:sldTgt/>
+                      </p:tgtEl>
+                    </p:cond>
+                  </p:endCondLst>
+                </p:cTn>
+                <p:tgtEl>
+                  <p:spTgt spid="9"/>
+                </p:tgtEl>
+              </p:cMediaNode>
+            </p:audio>
+          </p:childTnLst>
+        </p:cTn>
+      </p:par>
+    </p:tnLst>
+  </p:timing>
+</p:sld>
+</file>
+
+<file path=ppt/slides/slide4.xml><?xml version="1.0" encoding="utf-8"?>
+<p:sld xmlns:a="http://schemas.openxmlformats.org/drawingml/2006/main" xmlns:r="http://schemas.openxmlformats.org/officeDocument/2006/relationships" xmlns:p="http://schemas.openxmlformats.org/presentationml/2006/main">
+  <p:cSld>
+    <p:spTree>
+      <p:nvGrpSpPr>
+        <p:cNvPr id="1" name=""/>
+        <p:cNvGrpSpPr/>
+        <p:nvPr/>
+      </p:nvGrpSpPr>
+      <p:grpSpPr>
+        <a:xfrm>
+          <a:off x="0" y="0"/>
+          <a:ext cx="0" cy="0"/>
+          <a:chOff x="0" y="0"/>
+          <a:chExt cx="0" cy="0"/>
+        </a:xfrm>
+      </p:grpSpPr>
       <p:pic>
         <p:nvPicPr>
           <p:cNvPr id="4" name="Picture 3" descr="A picture containing photo, table, people, white&#10;&#10;Description automatically generated">
@@ -3940,7 +4187,233 @@
 </p:sld>
 </file>
 
-<file path=ppt/slides/slide4.xml><?xml version="1.0" encoding="utf-8"?>
+<file path=ppt/slides/slide5.xml><?xml version="1.0" encoding="utf-8"?>
+<p:sld xmlns:a="http://schemas.openxmlformats.org/drawingml/2006/main" xmlns:r="http://schemas.openxmlformats.org/officeDocument/2006/relationships" xmlns:p="http://schemas.openxmlformats.org/presentationml/2006/main">
+  <p:cSld>
+    <p:spTree>
+      <p:nvGrpSpPr>
+        <p:cNvPr id="1" name=""/>
+        <p:cNvGrpSpPr/>
+        <p:nvPr/>
+      </p:nvGrpSpPr>
+      <p:grpSpPr>
+        <a:xfrm>
+          <a:off x="0" y="0"/>
+          <a:ext cx="0" cy="0"/>
+          <a:chOff x="0" y="0"/>
+          <a:chExt cx="0" cy="0"/>
+        </a:xfrm>
+      </p:grpSpPr>
+      <p:sp>
+        <p:nvSpPr>
+          <p:cNvPr id="2" name="TextBox 1">
+            <a:extLst>
+              <a:ext uri="{FF2B5EF4-FFF2-40B4-BE49-F238E27FC236}">
+                <a16:creationId xmlns:a16="http://schemas.microsoft.com/office/drawing/2014/main" id="{FE2DE28E-56FD-4030-ACF1-36F1DED3A187}"/>
+              </a:ext>
+            </a:extLst>
+          </p:cNvPr>
+          <p:cNvSpPr txBox="1"/>
+          <p:nvPr/>
+        </p:nvSpPr>
+        <p:spPr>
+          <a:xfrm>
+            <a:off x="2248250" y="310393"/>
+            <a:ext cx="7180976" cy="477054"/>
+          </a:xfrm>
+          <a:prstGeom prst="rect">
+            <a:avLst/>
+          </a:prstGeom>
+          <a:noFill/>
+        </p:spPr>
+        <p:txBody>
+          <a:bodyPr wrap="square" rtlCol="0">
+            <a:spAutoFit/>
+          </a:bodyPr>
+          <a:lstStyle/>
+          <a:p>
+            <a:r>
+              <a:rPr lang="en-US" sz="2500" dirty="0">
+                <a:latin typeface="Times New Roman" panose="02020603050405020304" pitchFamily="18" charset="0"/>
+                <a:cs typeface="Times New Roman" panose="02020603050405020304" pitchFamily="18" charset="0"/>
+              </a:rPr>
+              <a:t>Distribution of synthetic dataset (continuous)</a:t>
+            </a:r>
+          </a:p>
+        </p:txBody>
+      </p:sp>
+      <p:pic>
+        <p:nvPicPr>
+          <p:cNvPr id="5" name="Picture 4" descr="A screenshot of a cell phone&#10;&#10;Description automatically generated">
+            <a:extLst>
+              <a:ext uri="{FF2B5EF4-FFF2-40B4-BE49-F238E27FC236}">
+                <a16:creationId xmlns:a16="http://schemas.microsoft.com/office/drawing/2014/main" id="{C8AE732D-4728-4FF1-A211-EC81E19EB867}"/>
+              </a:ext>
+            </a:extLst>
+          </p:cNvPr>
+          <p:cNvPicPr>
+            <a:picLocks noChangeAspect="1"/>
+          </p:cNvPicPr>
+          <p:nvPr/>
+        </p:nvPicPr>
+        <p:blipFill>
+          <a:blip r:embed="rId4">
+            <a:extLst>
+              <a:ext uri="{28A0092B-C50C-407E-A947-70E740481C1C}">
+                <a14:useLocalDpi xmlns:a14="http://schemas.microsoft.com/office/drawing/2010/main" val="0"/>
+              </a:ext>
+            </a:extLst>
+          </a:blip>
+          <a:stretch>
+            <a:fillRect/>
+          </a:stretch>
+        </p:blipFill>
+        <p:spPr>
+          <a:xfrm>
+            <a:off x="2761784" y="1371313"/>
+            <a:ext cx="6668431" cy="4115374"/>
+          </a:xfrm>
+          <a:prstGeom prst="rect">
+            <a:avLst/>
+          </a:prstGeom>
+        </p:spPr>
+      </p:pic>
+      <p:pic>
+        <p:nvPicPr>
+          <p:cNvPr id="6" name="Recorded Sound">
+            <a:hlinkClick r:id="" action="ppaction://media"/>
+            <a:extLst>
+              <a:ext uri="{FF2B5EF4-FFF2-40B4-BE49-F238E27FC236}">
+                <a16:creationId xmlns:a16="http://schemas.microsoft.com/office/drawing/2014/main" id="{23D5604F-B126-474F-A10C-5332672EA429}"/>
+              </a:ext>
+            </a:extLst>
+          </p:cNvPr>
+          <p:cNvPicPr>
+            <a:picLocks noChangeAspect="1"/>
+          </p:cNvPicPr>
+          <p:nvPr>
+            <a:audioFile r:link="rId2"/>
+            <p:extLst>
+              <p:ext uri="{DAA4B4D4-6D71-4841-9C94-3DE7FCFB9230}">
+                <p14:media xmlns:p14="http://schemas.microsoft.com/office/powerpoint/2010/main" r:embed="rId1"/>
+              </p:ext>
+            </p:extLst>
+          </p:nvPr>
+        </p:nvPicPr>
+        <p:blipFill>
+          <a:blip r:embed="rId5"/>
+          <a:stretch>
+            <a:fillRect/>
+          </a:stretch>
+        </p:blipFill>
+        <p:spPr>
+          <a:xfrm>
+            <a:off x="11202099" y="177847"/>
+            <a:ext cx="609600" cy="609600"/>
+          </a:xfrm>
+          <a:prstGeom prst="rect">
+            <a:avLst/>
+          </a:prstGeom>
+        </p:spPr>
+      </p:pic>
+    </p:spTree>
+    <p:extLst>
+      <p:ext uri="{BB962C8B-B14F-4D97-AF65-F5344CB8AC3E}">
+        <p14:creationId xmlns:p14="http://schemas.microsoft.com/office/powerpoint/2010/main" val="2918699108"/>
+      </p:ext>
+    </p:extLst>
+  </p:cSld>
+  <p:clrMapOvr>
+    <a:masterClrMapping/>
+  </p:clrMapOvr>
+  <p:timing>
+    <p:tnLst>
+      <p:par>
+        <p:cTn id="1" dur="indefinite" restart="never" nodeType="tmRoot">
+          <p:childTnLst>
+            <p:seq concurrent="1" nextAc="seek">
+              <p:cTn id="2" dur="indefinite" nodeType="mainSeq">
+                <p:childTnLst>
+                  <p:par>
+                    <p:cTn id="3" fill="hold">
+                      <p:stCondLst>
+                        <p:cond delay="indefinite"/>
+                      </p:stCondLst>
+                      <p:childTnLst>
+                        <p:par>
+                          <p:cTn id="4" fill="hold">
+                            <p:stCondLst>
+                              <p:cond delay="0"/>
+                            </p:stCondLst>
+                            <p:childTnLst>
+                              <p:par>
+                                <p:cTn id="5" presetID="1" presetClass="mediacall" presetSubtype="0" fill="hold" nodeType="clickEffect">
+                                  <p:stCondLst>
+                                    <p:cond delay="0"/>
+                                  </p:stCondLst>
+                                  <p:childTnLst>
+                                    <p:cmd type="call" cmd="playFrom(0.0)">
+                                      <p:cBhvr>
+                                        <p:cTn id="6" dur="29615" fill="hold"/>
+                                        <p:tgtEl>
+                                          <p:spTgt spid="6"/>
+                                        </p:tgtEl>
+                                      </p:cBhvr>
+                                    </p:cmd>
+                                  </p:childTnLst>
+                                </p:cTn>
+                              </p:par>
+                            </p:childTnLst>
+                          </p:cTn>
+                        </p:par>
+                      </p:childTnLst>
+                    </p:cTn>
+                  </p:par>
+                </p:childTnLst>
+              </p:cTn>
+              <p:prevCondLst>
+                <p:cond evt="onPrev" delay="0">
+                  <p:tgtEl>
+                    <p:sldTgt/>
+                  </p:tgtEl>
+                </p:cond>
+              </p:prevCondLst>
+              <p:nextCondLst>
+                <p:cond evt="onNext" delay="0">
+                  <p:tgtEl>
+                    <p:sldTgt/>
+                  </p:tgtEl>
+                </p:cond>
+              </p:nextCondLst>
+            </p:seq>
+            <p:audio>
+              <p:cMediaNode vol="80000">
+                <p:cTn id="7" fill="hold" display="0">
+                  <p:stCondLst>
+                    <p:cond delay="indefinite"/>
+                  </p:stCondLst>
+                  <p:endCondLst>
+                    <p:cond evt="onStopAudio" delay="0">
+                      <p:tgtEl>
+                        <p:sldTgt/>
+                      </p:tgtEl>
+                    </p:cond>
+                  </p:endCondLst>
+                </p:cTn>
+                <p:tgtEl>
+                  <p:spTgt spid="6"/>
+                </p:tgtEl>
+              </p:cMediaNode>
+            </p:audio>
+          </p:childTnLst>
+        </p:cTn>
+      </p:par>
+    </p:tnLst>
+  </p:timing>
+</p:sld>
+</file>
+
+<file path=ppt/slides/slide6.xml><?xml version="1.0" encoding="utf-8"?>
 <p:sld xmlns:a="http://schemas.openxmlformats.org/drawingml/2006/main" xmlns:r="http://schemas.openxmlformats.org/officeDocument/2006/relationships" xmlns:p="http://schemas.openxmlformats.org/presentationml/2006/main">
   <p:cSld>
     <p:spTree>
@@ -4057,7 +4530,236 @@
 </p:sld>
 </file>
 
-<file path=ppt/slides/slide5.xml><?xml version="1.0" encoding="utf-8"?>
+<file path=ppt/slides/slide7.xml><?xml version="1.0" encoding="utf-8"?>
+<p:sld xmlns:a="http://schemas.openxmlformats.org/drawingml/2006/main" xmlns:r="http://schemas.openxmlformats.org/officeDocument/2006/relationships" xmlns:p="http://schemas.openxmlformats.org/presentationml/2006/main">
+  <p:cSld>
+    <p:spTree>
+      <p:nvGrpSpPr>
+        <p:cNvPr id="1" name=""/>
+        <p:cNvGrpSpPr/>
+        <p:nvPr/>
+      </p:nvGrpSpPr>
+      <p:grpSpPr>
+        <a:xfrm>
+          <a:off x="0" y="0"/>
+          <a:ext cx="0" cy="0"/>
+          <a:chOff x="0" y="0"/>
+          <a:chExt cx="0" cy="0"/>
+        </a:xfrm>
+      </p:grpSpPr>
+      <p:sp>
+        <p:nvSpPr>
+          <p:cNvPr id="3" name="TextBox 2">
+            <a:extLst>
+              <a:ext uri="{FF2B5EF4-FFF2-40B4-BE49-F238E27FC236}">
+                <a16:creationId xmlns:a16="http://schemas.microsoft.com/office/drawing/2014/main" id="{A0005A34-5DF3-4B94-8B2F-6336B40BB05C}"/>
+              </a:ext>
+            </a:extLst>
+          </p:cNvPr>
+          <p:cNvSpPr txBox="1"/>
+          <p:nvPr/>
+        </p:nvSpPr>
+        <p:spPr>
+          <a:xfrm>
+            <a:off x="2533475" y="469783"/>
+            <a:ext cx="6216242" cy="754053"/>
+          </a:xfrm>
+          <a:prstGeom prst="rect">
+            <a:avLst/>
+          </a:prstGeom>
+          <a:noFill/>
+        </p:spPr>
+        <p:txBody>
+          <a:bodyPr wrap="square" rtlCol="0">
+            <a:spAutoFit/>
+          </a:bodyPr>
+          <a:lstStyle/>
+          <a:p>
+            <a:r>
+              <a:rPr lang="en-US" sz="2500" dirty="0">
+                <a:latin typeface="Times New Roman" panose="02020603050405020304" pitchFamily="18" charset="0"/>
+                <a:cs typeface="Times New Roman" panose="02020603050405020304" pitchFamily="18" charset="0"/>
+              </a:rPr>
+              <a:t>Distribution of synthetic dataset (categorical)</a:t>
+            </a:r>
+          </a:p>
+          <a:p>
+            <a:endParaRPr lang="en-US" dirty="0"/>
+          </a:p>
+        </p:txBody>
+      </p:sp>
+      <p:pic>
+        <p:nvPicPr>
+          <p:cNvPr id="7" name="Picture 6" descr="A screenshot of a cell phone&#10;&#10;Description automatically generated">
+            <a:extLst>
+              <a:ext uri="{FF2B5EF4-FFF2-40B4-BE49-F238E27FC236}">
+                <a16:creationId xmlns:a16="http://schemas.microsoft.com/office/drawing/2014/main" id="{45929131-C406-481C-AD60-E887514F4B65}"/>
+              </a:ext>
+            </a:extLst>
+          </p:cNvPr>
+          <p:cNvPicPr>
+            <a:picLocks noChangeAspect="1"/>
+          </p:cNvPicPr>
+          <p:nvPr/>
+        </p:nvPicPr>
+        <p:blipFill>
+          <a:blip r:embed="rId4">
+            <a:extLst>
+              <a:ext uri="{28A0092B-C50C-407E-A947-70E740481C1C}">
+                <a14:useLocalDpi xmlns:a14="http://schemas.microsoft.com/office/drawing/2010/main" val="0"/>
+              </a:ext>
+            </a:extLst>
+          </a:blip>
+          <a:stretch>
+            <a:fillRect/>
+          </a:stretch>
+        </p:blipFill>
+        <p:spPr>
+          <a:xfrm>
+            <a:off x="2761784" y="1371313"/>
+            <a:ext cx="6668431" cy="4115374"/>
+          </a:xfrm>
+          <a:prstGeom prst="rect">
+            <a:avLst/>
+          </a:prstGeom>
+        </p:spPr>
+      </p:pic>
+      <p:pic>
+        <p:nvPicPr>
+          <p:cNvPr id="8" name="Recorded Sound">
+            <a:hlinkClick r:id="" action="ppaction://media"/>
+            <a:extLst>
+              <a:ext uri="{FF2B5EF4-FFF2-40B4-BE49-F238E27FC236}">
+                <a16:creationId xmlns:a16="http://schemas.microsoft.com/office/drawing/2014/main" id="{9B064CDD-26A2-44CC-8BE1-9629E37C838A}"/>
+              </a:ext>
+            </a:extLst>
+          </p:cNvPr>
+          <p:cNvPicPr>
+            <a:picLocks noChangeAspect="1"/>
+          </p:cNvPicPr>
+          <p:nvPr>
+            <a:audioFile r:link="rId2"/>
+            <p:extLst>
+              <p:ext uri="{DAA4B4D4-6D71-4841-9C94-3DE7FCFB9230}">
+                <p14:media xmlns:p14="http://schemas.microsoft.com/office/powerpoint/2010/main" r:embed="rId1"/>
+              </p:ext>
+            </p:extLst>
+          </p:nvPr>
+        </p:nvPicPr>
+        <p:blipFill>
+          <a:blip r:embed="rId5"/>
+          <a:stretch>
+            <a:fillRect/>
+          </a:stretch>
+        </p:blipFill>
+        <p:spPr>
+          <a:xfrm>
+            <a:off x="11388437" y="202573"/>
+            <a:ext cx="609600" cy="609600"/>
+          </a:xfrm>
+          <a:prstGeom prst="rect">
+            <a:avLst/>
+          </a:prstGeom>
+        </p:spPr>
+      </p:pic>
+    </p:spTree>
+    <p:extLst>
+      <p:ext uri="{BB962C8B-B14F-4D97-AF65-F5344CB8AC3E}">
+        <p14:creationId xmlns:p14="http://schemas.microsoft.com/office/powerpoint/2010/main" val="3168747347"/>
+      </p:ext>
+    </p:extLst>
+  </p:cSld>
+  <p:clrMapOvr>
+    <a:masterClrMapping/>
+  </p:clrMapOvr>
+  <p:timing>
+    <p:tnLst>
+      <p:par>
+        <p:cTn id="1" dur="indefinite" restart="never" nodeType="tmRoot">
+          <p:childTnLst>
+            <p:seq concurrent="1" nextAc="seek">
+              <p:cTn id="2" dur="indefinite" nodeType="mainSeq">
+                <p:childTnLst>
+                  <p:par>
+                    <p:cTn id="3" fill="hold">
+                      <p:stCondLst>
+                        <p:cond delay="indefinite"/>
+                      </p:stCondLst>
+                      <p:childTnLst>
+                        <p:par>
+                          <p:cTn id="4" fill="hold">
+                            <p:stCondLst>
+                              <p:cond delay="0"/>
+                            </p:stCondLst>
+                            <p:childTnLst>
+                              <p:par>
+                                <p:cTn id="5" presetID="1" presetClass="mediacall" presetSubtype="0" fill="hold" nodeType="clickEffect">
+                                  <p:stCondLst>
+                                    <p:cond delay="0"/>
+                                  </p:stCondLst>
+                                  <p:childTnLst>
+                                    <p:cmd type="call" cmd="playFrom(0.0)">
+                                      <p:cBhvr>
+                                        <p:cTn id="6" dur="12873" fill="hold"/>
+                                        <p:tgtEl>
+                                          <p:spTgt spid="8"/>
+                                        </p:tgtEl>
+                                      </p:cBhvr>
+                                    </p:cmd>
+                                  </p:childTnLst>
+                                </p:cTn>
+                              </p:par>
+                            </p:childTnLst>
+                          </p:cTn>
+                        </p:par>
+                      </p:childTnLst>
+                    </p:cTn>
+                  </p:par>
+                </p:childTnLst>
+              </p:cTn>
+              <p:prevCondLst>
+                <p:cond evt="onPrev" delay="0">
+                  <p:tgtEl>
+                    <p:sldTgt/>
+                  </p:tgtEl>
+                </p:cond>
+              </p:prevCondLst>
+              <p:nextCondLst>
+                <p:cond evt="onNext" delay="0">
+                  <p:tgtEl>
+                    <p:sldTgt/>
+                  </p:tgtEl>
+                </p:cond>
+              </p:nextCondLst>
+            </p:seq>
+            <p:audio>
+              <p:cMediaNode vol="80000">
+                <p:cTn id="7" fill="hold" display="0">
+                  <p:stCondLst>
+                    <p:cond delay="indefinite"/>
+                  </p:stCondLst>
+                  <p:endCondLst>
+                    <p:cond evt="onStopAudio" delay="0">
+                      <p:tgtEl>
+                        <p:sldTgt/>
+                      </p:tgtEl>
+                    </p:cond>
+                  </p:endCondLst>
+                </p:cTn>
+                <p:tgtEl>
+                  <p:spTgt spid="8"/>
+                </p:tgtEl>
+              </p:cMediaNode>
+            </p:audio>
+          </p:childTnLst>
+        </p:cTn>
+      </p:par>
+    </p:tnLst>
+  </p:timing>
+</p:sld>
+</file>
+
+<file path=ppt/slides/slide8.xml><?xml version="1.0" encoding="utf-8"?>
 <p:sld xmlns:a="http://schemas.openxmlformats.org/drawingml/2006/main" xmlns:r="http://schemas.openxmlformats.org/officeDocument/2006/relationships" xmlns:p="http://schemas.openxmlformats.org/presentationml/2006/main">
   <p:cSld>
     <p:spTree>
@@ -4225,6 +4927,232 @@
                                     <p:cmd type="call" cmd="playFrom(0.0)">
                                       <p:cBhvr>
                                         <p:cTn id="6" dur="25110" fill="hold"/>
+                                        <p:tgtEl>
+                                          <p:spTgt spid="5"/>
+                                        </p:tgtEl>
+                                      </p:cBhvr>
+                                    </p:cmd>
+                                  </p:childTnLst>
+                                </p:cTn>
+                              </p:par>
+                            </p:childTnLst>
+                          </p:cTn>
+                        </p:par>
+                      </p:childTnLst>
+                    </p:cTn>
+                  </p:par>
+                </p:childTnLst>
+              </p:cTn>
+              <p:prevCondLst>
+                <p:cond evt="onPrev" delay="0">
+                  <p:tgtEl>
+                    <p:sldTgt/>
+                  </p:tgtEl>
+                </p:cond>
+              </p:prevCondLst>
+              <p:nextCondLst>
+                <p:cond evt="onNext" delay="0">
+                  <p:tgtEl>
+                    <p:sldTgt/>
+                  </p:tgtEl>
+                </p:cond>
+              </p:nextCondLst>
+            </p:seq>
+            <p:audio>
+              <p:cMediaNode vol="80000">
+                <p:cTn id="7" fill="hold" display="0">
+                  <p:stCondLst>
+                    <p:cond delay="indefinite"/>
+                  </p:stCondLst>
+                  <p:endCondLst>
+                    <p:cond evt="onStopAudio" delay="0">
+                      <p:tgtEl>
+                        <p:sldTgt/>
+                      </p:tgtEl>
+                    </p:cond>
+                  </p:endCondLst>
+                </p:cTn>
+                <p:tgtEl>
+                  <p:spTgt spid="5"/>
+                </p:tgtEl>
+              </p:cMediaNode>
+            </p:audio>
+          </p:childTnLst>
+        </p:cTn>
+      </p:par>
+    </p:tnLst>
+  </p:timing>
+</p:sld>
+</file>
+
+<file path=ppt/slides/slide9.xml><?xml version="1.0" encoding="utf-8"?>
+<p:sld xmlns:a="http://schemas.openxmlformats.org/drawingml/2006/main" xmlns:r="http://schemas.openxmlformats.org/officeDocument/2006/relationships" xmlns:p="http://schemas.openxmlformats.org/presentationml/2006/main">
+  <p:cSld>
+    <p:spTree>
+      <p:nvGrpSpPr>
+        <p:cNvPr id="1" name=""/>
+        <p:cNvGrpSpPr/>
+        <p:nvPr/>
+      </p:nvGrpSpPr>
+      <p:grpSpPr>
+        <a:xfrm>
+          <a:off x="0" y="0"/>
+          <a:ext cx="0" cy="0"/>
+          <a:chOff x="0" y="0"/>
+          <a:chExt cx="0" cy="0"/>
+        </a:xfrm>
+      </p:grpSpPr>
+      <p:sp>
+        <p:nvSpPr>
+          <p:cNvPr id="2" name="TextBox 1">
+            <a:extLst>
+              <a:ext uri="{FF2B5EF4-FFF2-40B4-BE49-F238E27FC236}">
+                <a16:creationId xmlns:a16="http://schemas.microsoft.com/office/drawing/2014/main" id="{F5CEE68F-0454-4AAB-8E31-28A798B88336}"/>
+              </a:ext>
+            </a:extLst>
+          </p:cNvPr>
+          <p:cNvSpPr txBox="1"/>
+          <p:nvPr/>
+        </p:nvSpPr>
+        <p:spPr>
+          <a:xfrm>
+            <a:off x="396402" y="248113"/>
+            <a:ext cx="6451134" cy="477054"/>
+          </a:xfrm>
+          <a:prstGeom prst="rect">
+            <a:avLst/>
+          </a:prstGeom>
+          <a:noFill/>
+        </p:spPr>
+        <p:txBody>
+          <a:bodyPr wrap="square" rtlCol="0">
+            <a:spAutoFit/>
+          </a:bodyPr>
+          <a:lstStyle/>
+          <a:p>
+            <a:r>
+              <a:rPr lang="en-US" sz="2500" dirty="0">
+                <a:latin typeface="Times New Roman" panose="02020603050405020304" pitchFamily="18" charset="0"/>
+                <a:cs typeface="Times New Roman" panose="02020603050405020304" pitchFamily="18" charset="0"/>
+              </a:rPr>
+              <a:t>Risk Evaluation</a:t>
+            </a:r>
+          </a:p>
+        </p:txBody>
+      </p:sp>
+      <p:pic>
+        <p:nvPicPr>
+          <p:cNvPr id="4" name="Picture 3" descr="A screenshot of a cell phone&#10;&#10;Description automatically generated">
+            <a:extLst>
+              <a:ext uri="{FF2B5EF4-FFF2-40B4-BE49-F238E27FC236}">
+                <a16:creationId xmlns:a16="http://schemas.microsoft.com/office/drawing/2014/main" id="{BBB306C1-752B-4CCA-A48F-CFBCB1D61395}"/>
+              </a:ext>
+            </a:extLst>
+          </p:cNvPr>
+          <p:cNvPicPr>
+            <a:picLocks noChangeAspect="1"/>
+          </p:cNvPicPr>
+          <p:nvPr/>
+        </p:nvPicPr>
+        <p:blipFill>
+          <a:blip r:embed="rId4">
+            <a:extLst>
+              <a:ext uri="{28A0092B-C50C-407E-A947-70E740481C1C}">
+                <a14:useLocalDpi xmlns:a14="http://schemas.microsoft.com/office/drawing/2010/main" val="0"/>
+              </a:ext>
+            </a:extLst>
+          </a:blip>
+          <a:stretch>
+            <a:fillRect/>
+          </a:stretch>
+        </p:blipFill>
+        <p:spPr>
+          <a:xfrm>
+            <a:off x="4690763" y="0"/>
+            <a:ext cx="7466463" cy="6609888"/>
+          </a:xfrm>
+          <a:prstGeom prst="rect">
+            <a:avLst/>
+          </a:prstGeom>
+        </p:spPr>
+      </p:pic>
+      <p:pic>
+        <p:nvPicPr>
+          <p:cNvPr id="5" name="Recorded Sound">
+            <a:hlinkClick r:id="" action="ppaction://media"/>
+            <a:extLst>
+              <a:ext uri="{FF2B5EF4-FFF2-40B4-BE49-F238E27FC236}">
+                <a16:creationId xmlns:a16="http://schemas.microsoft.com/office/drawing/2014/main" id="{6652A0E2-4673-475A-96DF-58D063957923}"/>
+              </a:ext>
+            </a:extLst>
+          </p:cNvPr>
+          <p:cNvPicPr>
+            <a:picLocks noChangeAspect="1"/>
+          </p:cNvPicPr>
+          <p:nvPr>
+            <a:audioFile r:link="rId2"/>
+            <p:extLst>
+              <p:ext uri="{DAA4B4D4-6D71-4841-9C94-3DE7FCFB9230}">
+                <p14:media xmlns:p14="http://schemas.microsoft.com/office/powerpoint/2010/main" r:embed="rId1"/>
+              </p:ext>
+            </p:extLst>
+          </p:nvPr>
+        </p:nvPicPr>
+        <p:blipFill>
+          <a:blip r:embed="rId5"/>
+          <a:stretch>
+            <a:fillRect/>
+          </a:stretch>
+        </p:blipFill>
+        <p:spPr>
+          <a:xfrm>
+            <a:off x="11490798" y="0"/>
+            <a:ext cx="609600" cy="609600"/>
+          </a:xfrm>
+          <a:prstGeom prst="rect">
+            <a:avLst/>
+          </a:prstGeom>
+        </p:spPr>
+      </p:pic>
+    </p:spTree>
+    <p:extLst>
+      <p:ext uri="{BB962C8B-B14F-4D97-AF65-F5344CB8AC3E}">
+        <p14:creationId xmlns:p14="http://schemas.microsoft.com/office/powerpoint/2010/main" val="4137092569"/>
+      </p:ext>
+    </p:extLst>
+  </p:cSld>
+  <p:clrMapOvr>
+    <a:masterClrMapping/>
+  </p:clrMapOvr>
+  <p:timing>
+    <p:tnLst>
+      <p:par>
+        <p:cTn id="1" dur="indefinite" restart="never" nodeType="tmRoot">
+          <p:childTnLst>
+            <p:seq concurrent="1" nextAc="seek">
+              <p:cTn id="2" dur="indefinite" nodeType="mainSeq">
+                <p:childTnLst>
+                  <p:par>
+                    <p:cTn id="3" fill="hold">
+                      <p:stCondLst>
+                        <p:cond delay="indefinite"/>
+                      </p:stCondLst>
+                      <p:childTnLst>
+                        <p:par>
+                          <p:cTn id="4" fill="hold">
+                            <p:stCondLst>
+                              <p:cond delay="0"/>
+                            </p:stCondLst>
+                            <p:childTnLst>
+                              <p:par>
+                                <p:cTn id="5" presetID="1" presetClass="mediacall" presetSubtype="0" fill="hold" nodeType="clickEffect">
+                                  <p:stCondLst>
+                                    <p:cond delay="0"/>
+                                  </p:stCondLst>
+                                  <p:childTnLst>
+                                    <p:cmd type="call" cmd="playFrom(0.0)">
+                                      <p:cBhvr>
+                                        <p:cTn id="6" dur="28384" fill="hold"/>
                                         <p:tgtEl>
                                           <p:spTgt spid="5"/>
                                         </p:tgtEl>
